--- a/docs/Spring Boot PPT.pptx
+++ b/docs/Spring Boot PPT.pptx
@@ -274,7 +274,7 @@
           <a:p>
             <a:fld id="{DAF27136-5F7E-E342-8C0F-B134C404CC59}" type="datetimeFigureOut">
               <a:rPr lang="en-US" smtClean="0"/>
-              <a:t>10/29/20</a:t>
+              <a:t>11/9/20</a:t>
             </a:fld>
             <a:endParaRPr lang="en-US"/>
           </a:p>
@@ -472,7 +472,7 @@
           <a:p>
             <a:fld id="{DAF27136-5F7E-E342-8C0F-B134C404CC59}" type="datetimeFigureOut">
               <a:rPr lang="en-US" smtClean="0"/>
-              <a:t>10/29/20</a:t>
+              <a:t>11/9/20</a:t>
             </a:fld>
             <a:endParaRPr lang="en-US"/>
           </a:p>
@@ -680,7 +680,7 @@
           <a:p>
             <a:fld id="{DAF27136-5F7E-E342-8C0F-B134C404CC59}" type="datetimeFigureOut">
               <a:rPr lang="en-US" smtClean="0"/>
-              <a:t>10/29/20</a:t>
+              <a:t>11/9/20</a:t>
             </a:fld>
             <a:endParaRPr lang="en-US"/>
           </a:p>
@@ -878,7 +878,7 @@
           <a:p>
             <a:fld id="{DAF27136-5F7E-E342-8C0F-B134C404CC59}" type="datetimeFigureOut">
               <a:rPr lang="en-US" smtClean="0"/>
-              <a:t>10/29/20</a:t>
+              <a:t>11/9/20</a:t>
             </a:fld>
             <a:endParaRPr lang="en-US"/>
           </a:p>
@@ -1153,7 +1153,7 @@
           <a:p>
             <a:fld id="{DAF27136-5F7E-E342-8C0F-B134C404CC59}" type="datetimeFigureOut">
               <a:rPr lang="en-US" smtClean="0"/>
-              <a:t>10/29/20</a:t>
+              <a:t>11/9/20</a:t>
             </a:fld>
             <a:endParaRPr lang="en-US"/>
           </a:p>
@@ -1418,7 +1418,7 @@
           <a:p>
             <a:fld id="{DAF27136-5F7E-E342-8C0F-B134C404CC59}" type="datetimeFigureOut">
               <a:rPr lang="en-US" smtClean="0"/>
-              <a:t>10/29/20</a:t>
+              <a:t>11/9/20</a:t>
             </a:fld>
             <a:endParaRPr lang="en-US"/>
           </a:p>
@@ -1830,7 +1830,7 @@
           <a:p>
             <a:fld id="{DAF27136-5F7E-E342-8C0F-B134C404CC59}" type="datetimeFigureOut">
               <a:rPr lang="en-US" smtClean="0"/>
-              <a:t>10/29/20</a:t>
+              <a:t>11/9/20</a:t>
             </a:fld>
             <a:endParaRPr lang="en-US"/>
           </a:p>
@@ -1971,7 +1971,7 @@
           <a:p>
             <a:fld id="{DAF27136-5F7E-E342-8C0F-B134C404CC59}" type="datetimeFigureOut">
               <a:rPr lang="en-US" smtClean="0"/>
-              <a:t>10/29/20</a:t>
+              <a:t>11/9/20</a:t>
             </a:fld>
             <a:endParaRPr lang="en-US"/>
           </a:p>
@@ -2084,7 +2084,7 @@
           <a:p>
             <a:fld id="{DAF27136-5F7E-E342-8C0F-B134C404CC59}" type="datetimeFigureOut">
               <a:rPr lang="en-US" smtClean="0"/>
-              <a:t>10/29/20</a:t>
+              <a:t>11/9/20</a:t>
             </a:fld>
             <a:endParaRPr lang="en-US"/>
           </a:p>
@@ -2395,7 +2395,7 @@
           <a:p>
             <a:fld id="{DAF27136-5F7E-E342-8C0F-B134C404CC59}" type="datetimeFigureOut">
               <a:rPr lang="en-US" smtClean="0"/>
-              <a:t>10/29/20</a:t>
+              <a:t>11/9/20</a:t>
             </a:fld>
             <a:endParaRPr lang="en-US"/>
           </a:p>
@@ -2683,7 +2683,7 @@
           <a:p>
             <a:fld id="{DAF27136-5F7E-E342-8C0F-B134C404CC59}" type="datetimeFigureOut">
               <a:rPr lang="en-US" smtClean="0"/>
-              <a:t>10/29/20</a:t>
+              <a:t>11/9/20</a:t>
             </a:fld>
             <a:endParaRPr lang="en-US"/>
           </a:p>
@@ -2924,7 +2924,7 @@
           <a:p>
             <a:fld id="{DAF27136-5F7E-E342-8C0F-B134C404CC59}" type="datetimeFigureOut">
               <a:rPr lang="en-US" smtClean="0"/>
-              <a:t>10/29/20</a:t>
+              <a:t>11/9/20</a:t>
             </a:fld>
             <a:endParaRPr lang="en-US"/>
           </a:p>
